--- a/7chan.pptx
+++ b/7chan.pptx
@@ -291,7 +291,7 @@
           <a:p>
             <a:fld id="{1EDB69A1-1BD2-4307-AB67-E6CD38463D05}" type="datetimeFigureOut">
               <a:rPr lang="sv-SE" smtClean="0"/>
-              <a:t>2014-10-27</a:t>
+              <a:t>2014-10-28</a:t>
             </a:fld>
             <a:endParaRPr lang="sv-SE"/>
           </a:p>
@@ -461,7 +461,7 @@
           <a:p>
             <a:fld id="{1EDB69A1-1BD2-4307-AB67-E6CD38463D05}" type="datetimeFigureOut">
               <a:rPr lang="sv-SE" smtClean="0"/>
-              <a:t>2014-10-27</a:t>
+              <a:t>2014-10-28</a:t>
             </a:fld>
             <a:endParaRPr lang="sv-SE"/>
           </a:p>
@@ -641,7 +641,7 @@
           <a:p>
             <a:fld id="{1EDB69A1-1BD2-4307-AB67-E6CD38463D05}" type="datetimeFigureOut">
               <a:rPr lang="sv-SE" smtClean="0"/>
-              <a:t>2014-10-27</a:t>
+              <a:t>2014-10-28</a:t>
             </a:fld>
             <a:endParaRPr lang="sv-SE"/>
           </a:p>
@@ -811,7 +811,7 @@
           <a:p>
             <a:fld id="{1EDB69A1-1BD2-4307-AB67-E6CD38463D05}" type="datetimeFigureOut">
               <a:rPr lang="sv-SE" smtClean="0"/>
-              <a:t>2014-10-27</a:t>
+              <a:t>2014-10-28</a:t>
             </a:fld>
             <a:endParaRPr lang="sv-SE"/>
           </a:p>
@@ -1057,7 +1057,7 @@
           <a:p>
             <a:fld id="{1EDB69A1-1BD2-4307-AB67-E6CD38463D05}" type="datetimeFigureOut">
               <a:rPr lang="sv-SE" smtClean="0"/>
-              <a:t>2014-10-27</a:t>
+              <a:t>2014-10-28</a:t>
             </a:fld>
             <a:endParaRPr lang="sv-SE"/>
           </a:p>
@@ -1345,7 +1345,7 @@
           <a:p>
             <a:fld id="{1EDB69A1-1BD2-4307-AB67-E6CD38463D05}" type="datetimeFigureOut">
               <a:rPr lang="sv-SE" smtClean="0"/>
-              <a:t>2014-10-27</a:t>
+              <a:t>2014-10-28</a:t>
             </a:fld>
             <a:endParaRPr lang="sv-SE"/>
           </a:p>
@@ -1767,7 +1767,7 @@
           <a:p>
             <a:fld id="{1EDB69A1-1BD2-4307-AB67-E6CD38463D05}" type="datetimeFigureOut">
               <a:rPr lang="sv-SE" smtClean="0"/>
-              <a:t>2014-10-27</a:t>
+              <a:t>2014-10-28</a:t>
             </a:fld>
             <a:endParaRPr lang="sv-SE"/>
           </a:p>
@@ -1885,7 +1885,7 @@
           <a:p>
             <a:fld id="{1EDB69A1-1BD2-4307-AB67-E6CD38463D05}" type="datetimeFigureOut">
               <a:rPr lang="sv-SE" smtClean="0"/>
-              <a:t>2014-10-27</a:t>
+              <a:t>2014-10-28</a:t>
             </a:fld>
             <a:endParaRPr lang="sv-SE"/>
           </a:p>
@@ -1980,7 +1980,7 @@
           <a:p>
             <a:fld id="{1EDB69A1-1BD2-4307-AB67-E6CD38463D05}" type="datetimeFigureOut">
               <a:rPr lang="sv-SE" smtClean="0"/>
-              <a:t>2014-10-27</a:t>
+              <a:t>2014-10-28</a:t>
             </a:fld>
             <a:endParaRPr lang="sv-SE"/>
           </a:p>
@@ -2257,7 +2257,7 @@
           <a:p>
             <a:fld id="{1EDB69A1-1BD2-4307-AB67-E6CD38463D05}" type="datetimeFigureOut">
               <a:rPr lang="sv-SE" smtClean="0"/>
-              <a:t>2014-10-27</a:t>
+              <a:t>2014-10-28</a:t>
             </a:fld>
             <a:endParaRPr lang="sv-SE"/>
           </a:p>
@@ -2510,7 +2510,7 @@
           <a:p>
             <a:fld id="{1EDB69A1-1BD2-4307-AB67-E6CD38463D05}" type="datetimeFigureOut">
               <a:rPr lang="sv-SE" smtClean="0"/>
-              <a:t>2014-10-27</a:t>
+              <a:t>2014-10-28</a:t>
             </a:fld>
             <a:endParaRPr lang="sv-SE"/>
           </a:p>
@@ -2575,9 +2575,28 @@
 <p:sldMaster xmlns:a="http://schemas.openxmlformats.org/drawingml/2006/main" xmlns:r="http://schemas.openxmlformats.org/officeDocument/2006/relationships" xmlns:p="http://schemas.openxmlformats.org/presentationml/2006/main">
   <p:cSld>
     <p:bg>
-      <p:bgRef idx="1001">
-        <a:schemeClr val="bg1"/>
-      </p:bgRef>
+      <p:bgPr>
+        <a:gradFill flip="none" rotWithShape="1">
+          <a:gsLst>
+            <a:gs pos="0">
+              <a:schemeClr val="bg1">
+                <a:lumMod val="65000"/>
+              </a:schemeClr>
+            </a:gs>
+            <a:gs pos="50000">
+              <a:schemeClr val="bg1">
+                <a:lumMod val="95000"/>
+              </a:schemeClr>
+            </a:gs>
+            <a:gs pos="100000">
+              <a:schemeClr val="bg1"/>
+            </a:gs>
+          </a:gsLst>
+          <a:lin ang="5400000" scaled="0"/>
+          <a:tileRect/>
+        </a:gradFill>
+        <a:effectLst/>
+      </p:bgPr>
     </p:bg>
     <p:spTree>
       <p:nvGrpSpPr>
@@ -2723,7 +2742,7 @@
           <a:p>
             <a:fld id="{1EDB69A1-1BD2-4307-AB67-E6CD38463D05}" type="datetimeFigureOut">
               <a:rPr lang="sv-SE" smtClean="0"/>
-              <a:t>2014-10-27</a:t>
+              <a:t>2014-10-28</a:t>
             </a:fld>
             <a:endParaRPr lang="sv-SE"/>
           </a:p>
@@ -3098,45 +3117,182 @@
           <a:chExt cx="0" cy="0"/>
         </a:xfrm>
       </p:grpSpPr>
-      <p:sp>
-        <p:nvSpPr>
-          <p:cNvPr id="2" name="Rubrik 1"/>
-          <p:cNvSpPr>
-            <a:spLocks noGrp="1"/>
-          </p:cNvSpPr>
-          <p:nvPr>
-            <p:ph type="ctrTitle"/>
-          </p:nvPr>
-        </p:nvSpPr>
-        <p:spPr/>
-        <p:txBody>
-          <a:bodyPr/>
-          <a:lstStyle/>
-          <a:p>
-            <a:r>
-              <a:rPr lang="sv-SE" dirty="0" smtClean="0"/>
-              <a:t>7chan</a:t>
-            </a:r>
-            <a:endParaRPr lang="sv-SE" dirty="0"/>
-          </a:p>
-        </p:txBody>
-      </p:sp>
-      <p:sp>
-        <p:nvSpPr>
-          <p:cNvPr id="3" name="Underrubrik 2"/>
-          <p:cNvSpPr>
-            <a:spLocks noGrp="1"/>
-          </p:cNvSpPr>
-          <p:nvPr>
-            <p:ph type="subTitle" idx="1"/>
-          </p:nvPr>
-        </p:nvSpPr>
-        <p:spPr/>
-        <p:txBody>
-          <a:bodyPr/>
-          <a:lstStyle/>
-          <a:p>
-            <a:endParaRPr lang="sv-SE" dirty="0"/>
+      <p:pic>
+        <p:nvPicPr>
+          <p:cNvPr id="7" name="Bildobjekt 6"/>
+          <p:cNvPicPr>
+            <a:picLocks noChangeAspect="1"/>
+          </p:cNvPicPr>
+          <p:nvPr/>
+        </p:nvPicPr>
+        <p:blipFill>
+          <a:blip r:embed="rId2">
+            <a:extLst>
+              <a:ext uri="{28A0092B-C50C-407E-A947-70E740481C1C}">
+                <a14:useLocalDpi xmlns:a14="http://schemas.microsoft.com/office/drawing/2010/main" val="0"/>
+              </a:ext>
+            </a:extLst>
+          </a:blip>
+          <a:stretch>
+            <a:fillRect/>
+          </a:stretch>
+        </p:blipFill>
+        <p:spPr>
+          <a:xfrm>
+            <a:off x="36512" y="5026868"/>
+            <a:ext cx="9144000" cy="1714500"/>
+          </a:xfrm>
+          <a:prstGeom prst="rect">
+            <a:avLst/>
+          </a:prstGeom>
+        </p:spPr>
+      </p:pic>
+      <p:sp>
+        <p:nvSpPr>
+          <p:cNvPr id="8" name="textruta 7"/>
+          <p:cNvSpPr txBox="1"/>
+          <p:nvPr/>
+        </p:nvSpPr>
+        <p:spPr>
+          <a:xfrm>
+            <a:off x="2522205" y="1268760"/>
+            <a:ext cx="3784947" cy="2308324"/>
+          </a:xfrm>
+          <a:prstGeom prst="rect">
+            <a:avLst/>
+          </a:prstGeom>
+          <a:noFill/>
+        </p:spPr>
+        <p:txBody>
+          <a:bodyPr wrap="none" rtlCol="0">
+            <a:spAutoFit/>
+          </a:bodyPr>
+          <a:lstStyle/>
+          <a:p>
+            <a:pPr algn="ctr"/>
+            <a:r>
+              <a:rPr lang="sv-SE" sz="4800" b="1" dirty="0" smtClean="0">
+                <a:solidFill>
+                  <a:schemeClr val="accent1"/>
+                </a:solidFill>
+              </a:rPr>
+              <a:t>7Chan</a:t>
+            </a:r>
+          </a:p>
+          <a:p>
+            <a:pPr algn="ctr"/>
+            <a:r>
+              <a:rPr lang="sv-SE" sz="2400" dirty="0" smtClean="0">
+                <a:solidFill>
+                  <a:schemeClr val="tx2"/>
+                </a:solidFill>
+              </a:rPr>
+              <a:t>Group 7</a:t>
+            </a:r>
+          </a:p>
+          <a:p>
+            <a:pPr algn="ctr"/>
+            <a:r>
+              <a:rPr lang="sv-SE" dirty="0" smtClean="0">
+                <a:solidFill>
+                  <a:schemeClr val="tx2"/>
+                </a:solidFill>
+              </a:rPr>
+              <a:t>a Forum </a:t>
+            </a:r>
+          </a:p>
+          <a:p>
+            <a:pPr algn="ctr"/>
+            <a:r>
+              <a:rPr lang="sv-SE" dirty="0" err="1" smtClean="0">
+                <a:solidFill>
+                  <a:schemeClr val="tx2"/>
+                </a:solidFill>
+              </a:rPr>
+              <a:t>One</a:t>
+            </a:r>
+            <a:r>
+              <a:rPr lang="sv-SE" dirty="0" smtClean="0">
+                <a:solidFill>
+                  <a:schemeClr val="tx2"/>
+                </a:solidFill>
+              </a:rPr>
+              <a:t> </a:t>
+            </a:r>
+            <a:r>
+              <a:rPr lang="sv-SE" dirty="0" err="1" smtClean="0">
+                <a:solidFill>
+                  <a:schemeClr val="tx2"/>
+                </a:solidFill>
+              </a:rPr>
+              <a:t>stream</a:t>
+            </a:r>
+            <a:r>
+              <a:rPr lang="sv-SE" dirty="0" smtClean="0">
+                <a:solidFill>
+                  <a:schemeClr val="tx2"/>
+                </a:solidFill>
+              </a:rPr>
+              <a:t> </a:t>
+            </a:r>
+            <a:r>
+              <a:rPr lang="sv-SE" dirty="0" err="1" smtClean="0">
+                <a:solidFill>
+                  <a:schemeClr val="tx2"/>
+                </a:solidFill>
+              </a:rPr>
+              <a:t>with</a:t>
+            </a:r>
+            <a:r>
+              <a:rPr lang="sv-SE" dirty="0" smtClean="0">
+                <a:solidFill>
+                  <a:schemeClr val="tx2"/>
+                </a:solidFill>
+              </a:rPr>
+              <a:t> posts,</a:t>
+            </a:r>
+          </a:p>
+          <a:p>
+            <a:pPr algn="ctr"/>
+            <a:r>
+              <a:rPr lang="sv-SE" dirty="0" err="1" smtClean="0">
+                <a:solidFill>
+                  <a:schemeClr val="tx2"/>
+                </a:solidFill>
+              </a:rPr>
+              <a:t>Friend</a:t>
+            </a:r>
+            <a:r>
+              <a:rPr lang="sv-SE" dirty="0" smtClean="0">
+                <a:solidFill>
+                  <a:schemeClr val="tx2"/>
+                </a:solidFill>
+              </a:rPr>
+              <a:t> system and </a:t>
+            </a:r>
+            <a:r>
+              <a:rPr lang="sv-SE" dirty="0" err="1" smtClean="0">
+                <a:solidFill>
+                  <a:schemeClr val="tx2"/>
+                </a:solidFill>
+              </a:rPr>
+              <a:t>Friend</a:t>
+            </a:r>
+            <a:r>
+              <a:rPr lang="sv-SE" dirty="0" smtClean="0">
+                <a:solidFill>
+                  <a:schemeClr val="tx2"/>
+                </a:solidFill>
+              </a:rPr>
+              <a:t> messages.</a:t>
+            </a:r>
+          </a:p>
+          <a:p>
+            <a:endParaRPr lang="en-US" dirty="0">
+              <a:solidFill>
+                <a:schemeClr val="tx2"/>
+              </a:solidFill>
+            </a:endParaRPr>
           </a:p>
         </p:txBody>
       </p:sp>
@@ -3150,6 +3306,13 @@
   <p:clrMapOvr>
     <a:masterClrMapping/>
   </p:clrMapOvr>
+  <p:timing>
+    <p:tnLst>
+      <p:par>
+        <p:cTn id="1" dur="indefinite" restart="never" nodeType="tmRoot"/>
+      </p:par>
+    </p:tnLst>
+  </p:timing>
 </p:sld>
 </file>
 
@@ -3186,91 +3349,194 @@
           <a:lstStyle/>
           <a:p>
             <a:r>
-              <a:rPr lang="sv-SE" dirty="0" err="1" smtClean="0"/>
+              <a:rPr lang="sv-SE" dirty="0" err="1" smtClean="0">
+                <a:solidFill>
+                  <a:schemeClr val="accent1"/>
+                </a:solidFill>
+              </a:rPr>
               <a:t>Use</a:t>
             </a:r>
             <a:r>
-              <a:rPr lang="sv-SE" dirty="0" smtClean="0"/>
+              <a:rPr lang="sv-SE" dirty="0" smtClean="0">
+                <a:solidFill>
+                  <a:schemeClr val="accent1"/>
+                </a:solidFill>
+              </a:rPr>
               <a:t> </a:t>
             </a:r>
             <a:r>
-              <a:rPr lang="sv-SE" dirty="0" err="1" smtClean="0"/>
+              <a:rPr lang="sv-SE" dirty="0" err="1" smtClean="0">
+                <a:solidFill>
+                  <a:schemeClr val="accent1"/>
+                </a:solidFill>
+              </a:rPr>
               <a:t>cases</a:t>
             </a:r>
+            <a:endParaRPr lang="sv-SE" dirty="0">
+              <a:solidFill>
+                <a:schemeClr val="accent1"/>
+              </a:solidFill>
+            </a:endParaRPr>
+          </a:p>
+        </p:txBody>
+      </p:sp>
+      <p:sp>
+        <p:nvSpPr>
+          <p:cNvPr id="3" name="Platshållare för innehåll 2"/>
+          <p:cNvSpPr>
+            <a:spLocks noGrp="1"/>
+          </p:cNvSpPr>
+          <p:nvPr>
+            <p:ph idx="1"/>
+          </p:nvPr>
+        </p:nvSpPr>
+        <p:spPr>
+          <a:xfrm>
+            <a:off x="457200" y="1124744"/>
+            <a:ext cx="8229600" cy="4525963"/>
+          </a:xfrm>
+        </p:spPr>
+        <p:txBody>
+          <a:bodyPr/>
+          <a:lstStyle/>
+          <a:p>
+            <a:r>
+              <a:rPr lang="sv-SE" dirty="0" smtClean="0">
+                <a:solidFill>
+                  <a:schemeClr val="tx2"/>
+                </a:solidFill>
+              </a:rPr>
+              <a:t>Register/login</a:t>
+            </a:r>
+          </a:p>
+          <a:p>
+            <a:r>
+              <a:rPr lang="sv-SE" dirty="0" smtClean="0">
+                <a:solidFill>
+                  <a:schemeClr val="tx2"/>
+                </a:solidFill>
+              </a:rPr>
+              <a:t>Post</a:t>
+            </a:r>
+          </a:p>
+          <a:p>
+            <a:r>
+              <a:rPr lang="sv-SE" dirty="0" err="1" smtClean="0">
+                <a:solidFill>
+                  <a:schemeClr val="tx2"/>
+                </a:solidFill>
+              </a:rPr>
+              <a:t>Comment</a:t>
+            </a:r>
+            <a:endParaRPr lang="sv-SE" dirty="0" smtClean="0">
+              <a:solidFill>
+                <a:schemeClr val="tx2"/>
+              </a:solidFill>
+            </a:endParaRPr>
+          </a:p>
+          <a:p>
+            <a:r>
+              <a:rPr lang="sv-SE" dirty="0" err="1" smtClean="0">
+                <a:solidFill>
+                  <a:schemeClr val="tx2"/>
+                </a:solidFill>
+              </a:rPr>
+              <a:t>Friend</a:t>
+            </a:r>
+            <a:endParaRPr lang="sv-SE" dirty="0" smtClean="0">
+              <a:solidFill>
+                <a:schemeClr val="tx2"/>
+              </a:solidFill>
+            </a:endParaRPr>
+          </a:p>
+          <a:p>
+            <a:r>
+              <a:rPr lang="sv-SE" dirty="0" err="1" smtClean="0">
+                <a:solidFill>
+                  <a:schemeClr val="tx2"/>
+                </a:solidFill>
+              </a:rPr>
+              <a:t>Message</a:t>
+            </a:r>
+            <a:endParaRPr lang="sv-SE" dirty="0" smtClean="0">
+              <a:solidFill>
+                <a:schemeClr val="tx2"/>
+              </a:solidFill>
+            </a:endParaRPr>
+          </a:p>
+          <a:p>
+            <a:r>
+              <a:rPr lang="sv-SE" dirty="0" smtClean="0">
+                <a:solidFill>
+                  <a:schemeClr val="tx2"/>
+                </a:solidFill>
+              </a:rPr>
+              <a:t>Edit </a:t>
+            </a:r>
+            <a:r>
+              <a:rPr lang="sv-SE" dirty="0" err="1" smtClean="0">
+                <a:solidFill>
+                  <a:schemeClr val="tx2"/>
+                </a:solidFill>
+              </a:rPr>
+              <a:t>profile</a:t>
+            </a:r>
+            <a:endParaRPr lang="sv-SE" dirty="0" smtClean="0">
+              <a:solidFill>
+                <a:schemeClr val="tx2"/>
+              </a:solidFill>
+            </a:endParaRPr>
+          </a:p>
+          <a:p>
+            <a:r>
+              <a:rPr lang="sv-SE" dirty="0" err="1" smtClean="0">
+                <a:solidFill>
+                  <a:schemeClr val="tx2"/>
+                </a:solidFill>
+              </a:rPr>
+              <a:t>Search</a:t>
+            </a:r>
+            <a:endParaRPr lang="sv-SE" dirty="0" smtClean="0">
+              <a:solidFill>
+                <a:schemeClr val="tx2"/>
+              </a:solidFill>
+            </a:endParaRPr>
+          </a:p>
+          <a:p>
             <a:endParaRPr lang="sv-SE" dirty="0"/>
           </a:p>
         </p:txBody>
       </p:sp>
-      <p:sp>
-        <p:nvSpPr>
-          <p:cNvPr id="3" name="Platshållare för innehåll 2"/>
-          <p:cNvSpPr>
-            <a:spLocks noGrp="1"/>
-          </p:cNvSpPr>
-          <p:nvPr>
-            <p:ph idx="1"/>
-          </p:nvPr>
-        </p:nvSpPr>
-        <p:spPr/>
-        <p:txBody>
-          <a:bodyPr/>
-          <a:lstStyle/>
-          <a:p>
-            <a:r>
-              <a:rPr lang="sv-SE" dirty="0" smtClean="0"/>
-              <a:t>Register/login</a:t>
-            </a:r>
-          </a:p>
-          <a:p>
-            <a:r>
-              <a:rPr lang="sv-SE" dirty="0" smtClean="0"/>
-              <a:t>Post</a:t>
-            </a:r>
-          </a:p>
-          <a:p>
-            <a:r>
-              <a:rPr lang="sv-SE" dirty="0" err="1" smtClean="0"/>
-              <a:t>Comment</a:t>
-            </a:r>
-            <a:endParaRPr lang="sv-SE" dirty="0" smtClean="0"/>
-          </a:p>
-          <a:p>
-            <a:r>
-              <a:rPr lang="sv-SE" dirty="0" err="1" smtClean="0"/>
-              <a:t>Friend</a:t>
-            </a:r>
-            <a:endParaRPr lang="sv-SE" dirty="0" smtClean="0"/>
-          </a:p>
-          <a:p>
-            <a:r>
-              <a:rPr lang="sv-SE" dirty="0" err="1" smtClean="0"/>
-              <a:t>Message</a:t>
-            </a:r>
-            <a:endParaRPr lang="sv-SE" dirty="0" smtClean="0"/>
-          </a:p>
-          <a:p>
-            <a:r>
-              <a:rPr lang="sv-SE" dirty="0" smtClean="0"/>
-              <a:t>Edit </a:t>
-            </a:r>
-            <a:r>
-              <a:rPr lang="sv-SE" dirty="0" err="1" smtClean="0"/>
-              <a:t>profile</a:t>
-            </a:r>
-            <a:endParaRPr lang="sv-SE" dirty="0" smtClean="0"/>
-          </a:p>
-          <a:p>
-            <a:r>
-              <a:rPr lang="sv-SE" dirty="0" err="1" smtClean="0"/>
-              <a:t>Search</a:t>
-            </a:r>
-            <a:endParaRPr lang="sv-SE" dirty="0" smtClean="0"/>
-          </a:p>
-          <a:p>
-            <a:endParaRPr lang="sv-SE" dirty="0"/>
-          </a:p>
-        </p:txBody>
-      </p:sp>
+      <p:pic>
+        <p:nvPicPr>
+          <p:cNvPr id="4" name="Bildobjekt 3"/>
+          <p:cNvPicPr>
+            <a:picLocks noChangeAspect="1"/>
+          </p:cNvPicPr>
+          <p:nvPr/>
+        </p:nvPicPr>
+        <p:blipFill>
+          <a:blip r:embed="rId2">
+            <a:extLst>
+              <a:ext uri="{28A0092B-C50C-407E-A947-70E740481C1C}">
+                <a14:useLocalDpi xmlns:a14="http://schemas.microsoft.com/office/drawing/2010/main" val="0"/>
+              </a:ext>
+            </a:extLst>
+          </a:blip>
+          <a:stretch>
+            <a:fillRect/>
+          </a:stretch>
+        </p:blipFill>
+        <p:spPr>
+          <a:xfrm>
+            <a:off x="36512" y="5026868"/>
+            <a:ext cx="9144000" cy="1714500"/>
+          </a:xfrm>
+          <a:prstGeom prst="rect">
+            <a:avLst/>
+          </a:prstGeom>
+        </p:spPr>
+      </p:pic>
     </p:spTree>
     <p:extLst>
       <p:ext uri="{BB962C8B-B14F-4D97-AF65-F5344CB8AC3E}">
@@ -3281,6 +3547,13 @@
   <p:clrMapOvr>
     <a:masterClrMapping/>
   </p:clrMapOvr>
+  <p:timing>
+    <p:tnLst>
+      <p:par>
+        <p:cTn id="1" dur="indefinite" restart="never" nodeType="tmRoot"/>
+      </p:par>
+    </p:tnLst>
+  </p:timing>
 </p:sld>
 </file>
 
@@ -3317,18 +3590,34 @@
           <a:lstStyle/>
           <a:p>
             <a:r>
-              <a:rPr lang="sv-SE" dirty="0" err="1" smtClean="0"/>
+              <a:rPr lang="sv-SE" dirty="0" err="1" smtClean="0">
+                <a:solidFill>
+                  <a:schemeClr val="accent1"/>
+                </a:solidFill>
+              </a:rPr>
               <a:t>Code</a:t>
             </a:r>
             <a:r>
-              <a:rPr lang="sv-SE" dirty="0" smtClean="0"/>
+              <a:rPr lang="sv-SE" dirty="0" smtClean="0">
+                <a:solidFill>
+                  <a:schemeClr val="accent1"/>
+                </a:solidFill>
+              </a:rPr>
               <a:t> </a:t>
             </a:r>
             <a:r>
-              <a:rPr lang="sv-SE" dirty="0" err="1" smtClean="0"/>
+              <a:rPr lang="sv-SE" dirty="0" err="1" smtClean="0">
+                <a:solidFill>
+                  <a:schemeClr val="accent1"/>
+                </a:solidFill>
+              </a:rPr>
               <a:t>structure</a:t>
             </a:r>
-            <a:endParaRPr lang="sv-SE" dirty="0"/>
+            <a:endParaRPr lang="sv-SE" dirty="0">
+              <a:solidFill>
+                <a:schemeClr val="accent1"/>
+              </a:solidFill>
+            </a:endParaRPr>
           </a:p>
         </p:txBody>
       </p:sp>
@@ -3348,69 +3637,167 @@
           <a:lstStyle/>
           <a:p>
             <a:r>
-              <a:rPr lang="sv-SE" dirty="0" err="1" smtClean="0"/>
+              <a:rPr lang="sv-SE" dirty="0" err="1" smtClean="0">
+                <a:solidFill>
+                  <a:schemeClr val="tx2"/>
+                </a:solidFill>
+              </a:rPr>
               <a:t>Xhtml</a:t>
             </a:r>
             <a:r>
-              <a:rPr lang="sv-SE" dirty="0" smtClean="0"/>
+              <a:rPr lang="sv-SE" dirty="0" smtClean="0">
+                <a:solidFill>
+                  <a:schemeClr val="tx2"/>
+                </a:solidFill>
+              </a:rPr>
               <a:t> </a:t>
             </a:r>
             <a:r>
-              <a:rPr lang="sv-SE" dirty="0" err="1" smtClean="0"/>
+              <a:rPr lang="sv-SE" dirty="0" err="1" smtClean="0">
+                <a:solidFill>
+                  <a:schemeClr val="tx2"/>
+                </a:solidFill>
+              </a:rPr>
               <a:t>files</a:t>
             </a:r>
-            <a:endParaRPr lang="sv-SE" dirty="0" smtClean="0"/>
-          </a:p>
-          <a:p>
-            <a:r>
-              <a:rPr lang="sv-SE" dirty="0" err="1" smtClean="0"/>
+            <a:endParaRPr lang="sv-SE" dirty="0" smtClean="0">
+              <a:solidFill>
+                <a:schemeClr val="tx2"/>
+              </a:solidFill>
+            </a:endParaRPr>
+          </a:p>
+          <a:p>
+            <a:r>
+              <a:rPr lang="sv-SE" dirty="0" err="1" smtClean="0">
+                <a:solidFill>
+                  <a:schemeClr val="tx2"/>
+                </a:solidFill>
+              </a:rPr>
               <a:t>Backing</a:t>
             </a:r>
             <a:r>
-              <a:rPr lang="sv-SE" dirty="0" smtClean="0"/>
+              <a:rPr lang="sv-SE" dirty="0" smtClean="0">
+                <a:solidFill>
+                  <a:schemeClr val="tx2"/>
+                </a:solidFill>
+              </a:rPr>
               <a:t> </a:t>
             </a:r>
             <a:r>
-              <a:rPr lang="sv-SE" dirty="0" err="1" smtClean="0"/>
+              <a:rPr lang="sv-SE" dirty="0" err="1" smtClean="0">
+                <a:solidFill>
+                  <a:schemeClr val="tx2"/>
+                </a:solidFill>
+              </a:rPr>
               <a:t>beans</a:t>
             </a:r>
-            <a:endParaRPr lang="sv-SE" dirty="0" smtClean="0"/>
-          </a:p>
-          <a:p>
-            <a:r>
-              <a:rPr lang="sv-SE" dirty="0" smtClean="0"/>
+            <a:endParaRPr lang="sv-SE" dirty="0" smtClean="0">
+              <a:solidFill>
+                <a:schemeClr val="tx2"/>
+              </a:solidFill>
+            </a:endParaRPr>
+          </a:p>
+          <a:p>
+            <a:r>
+              <a:rPr lang="sv-SE" dirty="0" smtClean="0">
+                <a:solidFill>
+                  <a:schemeClr val="tx2"/>
+                </a:solidFill>
+              </a:rPr>
               <a:t>Control </a:t>
             </a:r>
             <a:r>
-              <a:rPr lang="sv-SE" dirty="0" err="1" smtClean="0"/>
+              <a:rPr lang="sv-SE" dirty="0" err="1" smtClean="0">
+                <a:solidFill>
+                  <a:schemeClr val="tx2"/>
+                </a:solidFill>
+              </a:rPr>
               <a:t>beans</a:t>
             </a:r>
-            <a:endParaRPr lang="sv-SE" dirty="0" smtClean="0"/>
-          </a:p>
-          <a:p>
-            <a:r>
-              <a:rPr lang="sv-SE" dirty="0" err="1" smtClean="0"/>
+            <a:endParaRPr lang="sv-SE" dirty="0" smtClean="0">
+              <a:solidFill>
+                <a:schemeClr val="tx2"/>
+              </a:solidFill>
+            </a:endParaRPr>
+          </a:p>
+          <a:p>
+            <a:r>
+              <a:rPr lang="sv-SE" dirty="0" err="1" smtClean="0">
+                <a:solidFill>
+                  <a:schemeClr val="tx2"/>
+                </a:solidFill>
+              </a:rPr>
               <a:t>Entity</a:t>
             </a:r>
             <a:r>
-              <a:rPr lang="sv-SE" dirty="0" smtClean="0"/>
+              <a:rPr lang="sv-SE" dirty="0" smtClean="0">
+                <a:solidFill>
+                  <a:schemeClr val="tx2"/>
+                </a:solidFill>
+              </a:rPr>
               <a:t> </a:t>
             </a:r>
             <a:r>
-              <a:rPr lang="sv-SE" dirty="0" err="1" smtClean="0"/>
+              <a:rPr lang="sv-SE" dirty="0" err="1" smtClean="0">
+                <a:solidFill>
+                  <a:schemeClr val="tx2"/>
+                </a:solidFill>
+              </a:rPr>
               <a:t>classes</a:t>
             </a:r>
-            <a:endParaRPr lang="sv-SE" dirty="0" smtClean="0"/>
-          </a:p>
-          <a:p>
-            <a:r>
-              <a:rPr lang="sv-SE" dirty="0" err="1" smtClean="0"/>
+            <a:endParaRPr lang="sv-SE" dirty="0" smtClean="0">
+              <a:solidFill>
+                <a:schemeClr val="tx2"/>
+              </a:solidFill>
+            </a:endParaRPr>
+          </a:p>
+          <a:p>
+            <a:r>
+              <a:rPr lang="sv-SE" dirty="0" err="1" smtClean="0">
+                <a:solidFill>
+                  <a:schemeClr val="tx2"/>
+                </a:solidFill>
+              </a:rPr>
               <a:t>Database</a:t>
             </a:r>
-            <a:endParaRPr lang="sv-SE" dirty="0"/>
-          </a:p>
-        </p:txBody>
-      </p:sp>
+            <a:endParaRPr lang="sv-SE" dirty="0">
+              <a:solidFill>
+                <a:schemeClr val="tx2"/>
+              </a:solidFill>
+            </a:endParaRPr>
+          </a:p>
+        </p:txBody>
+      </p:sp>
+      <p:pic>
+        <p:nvPicPr>
+          <p:cNvPr id="4" name="Bildobjekt 3"/>
+          <p:cNvPicPr>
+            <a:picLocks noChangeAspect="1"/>
+          </p:cNvPicPr>
+          <p:nvPr/>
+        </p:nvPicPr>
+        <p:blipFill>
+          <a:blip r:embed="rId2">
+            <a:extLst>
+              <a:ext uri="{28A0092B-C50C-407E-A947-70E740481C1C}">
+                <a14:useLocalDpi xmlns:a14="http://schemas.microsoft.com/office/drawing/2010/main" val="0"/>
+              </a:ext>
+            </a:extLst>
+          </a:blip>
+          <a:stretch>
+            <a:fillRect/>
+          </a:stretch>
+        </p:blipFill>
+        <p:spPr>
+          <a:xfrm>
+            <a:off x="36512" y="5026868"/>
+            <a:ext cx="9144000" cy="1714500"/>
+          </a:xfrm>
+          <a:prstGeom prst="rect">
+            <a:avLst/>
+          </a:prstGeom>
+        </p:spPr>
+      </p:pic>
     </p:spTree>
     <p:extLst>
       <p:ext uri="{BB962C8B-B14F-4D97-AF65-F5344CB8AC3E}">
@@ -3421,6 +3808,13 @@
   <p:clrMapOvr>
     <a:masterClrMapping/>
   </p:clrMapOvr>
+  <p:timing>
+    <p:tnLst>
+      <p:par>
+        <p:cTn id="1" dur="indefinite" restart="never" nodeType="tmRoot"/>
+      </p:par>
+    </p:tnLst>
+  </p:timing>
 </p:sld>
 </file>
 
@@ -3457,14 +3851,26 @@
           <a:lstStyle/>
           <a:p>
             <a:r>
-              <a:rPr lang="sv-SE" dirty="0" smtClean="0"/>
+              <a:rPr lang="sv-SE" dirty="0" smtClean="0">
+                <a:solidFill>
+                  <a:schemeClr val="accent1"/>
+                </a:solidFill>
+              </a:rPr>
               <a:t>OO </a:t>
             </a:r>
             <a:r>
-              <a:rPr lang="sv-SE" dirty="0" err="1" smtClean="0"/>
+              <a:rPr lang="sv-SE" dirty="0" err="1" smtClean="0">
+                <a:solidFill>
+                  <a:schemeClr val="accent1"/>
+                </a:solidFill>
+              </a:rPr>
               <a:t>model</a:t>
             </a:r>
-            <a:endParaRPr lang="sv-SE" dirty="0"/>
+            <a:endParaRPr lang="sv-SE" dirty="0">
+              <a:solidFill>
+                <a:schemeClr val="accent1"/>
+              </a:solidFill>
+            </a:endParaRPr>
           </a:p>
         </p:txBody>
       </p:sp>
@@ -3507,6 +3913,13 @@
   <p:clrMapOvr>
     <a:masterClrMapping/>
   </p:clrMapOvr>
+  <p:timing>
+    <p:tnLst>
+      <p:par>
+        <p:cTn id="1" dur="indefinite" restart="never" nodeType="tmRoot"/>
+      </p:par>
+    </p:tnLst>
+  </p:timing>
 </p:sld>
 </file>
 
